--- a/docs/산출물/PPT 한비.pptx
+++ b/docs/산출물/PPT 한비.pptx
@@ -7,9 +7,10 @@
   <p:sldIdLst>
     <p:sldId id="256" r:id="rId2"/>
     <p:sldId id="257" r:id="rId3"/>
-    <p:sldId id="261" r:id="rId4"/>
-    <p:sldId id="262" r:id="rId5"/>
-    <p:sldId id="263" r:id="rId6"/>
+    <p:sldId id="264" r:id="rId4"/>
+    <p:sldId id="261" r:id="rId5"/>
+    <p:sldId id="262" r:id="rId6"/>
+    <p:sldId id="263" r:id="rId7"/>
   </p:sldIdLst>
   <p:sldSz cx="9144000" cy="6858000" type="screen4x3"/>
   <p:notesSz cx="6858000" cy="9144000"/>
@@ -3272,6 +3273,243 @@
             </a:pPr>
             <a:r>
               <a:rPr lang="ko-KR" altLang="en-US"/>
+              <a:t>홈 화면 (Home)</a:t>
+            </a:r>
+            <a:endParaRPr lang="ko-KR" altLang="en-US"/>
+          </a:p>
+        </p:txBody>
+      </p:sp>
+      <p:pic>
+        <p:nvPicPr>
+          <p:cNvPr id="16" name=""/>
+          <p:cNvPicPr>
+            <a:picLocks noChangeAspect="1"/>
+          </p:cNvPicPr>
+          <p:nvPr/>
+        </p:nvPicPr>
+        <p:blipFill rotWithShape="1">
+          <a:blip r:embed="rId2"/>
+          <a:stretch>
+            <a:fillRect/>
+          </a:stretch>
+        </p:blipFill>
+        <p:spPr>
+          <a:xfrm>
+            <a:off x="4572000" y="3429000"/>
+            <a:ext cx="0" cy="0"/>
+          </a:xfrm>
+          <a:prstGeom prst="rect">
+            <a:avLst/>
+          </a:prstGeom>
+        </p:spPr>
+      </p:pic>
+      <p:pic>
+        <p:nvPicPr>
+          <p:cNvPr id="17" name=""/>
+          <p:cNvPicPr>
+            <a:picLocks noChangeAspect="1"/>
+          </p:cNvPicPr>
+          <p:nvPr/>
+        </p:nvPicPr>
+        <p:blipFill rotWithShape="1">
+          <a:blip r:embed="rId3"/>
+          <a:stretch>
+            <a:fillRect/>
+          </a:stretch>
+        </p:blipFill>
+        <p:spPr>
+          <a:xfrm>
+            <a:off x="1497894" y="1143000"/>
+            <a:ext cx="2533650" cy="3505200"/>
+          </a:xfrm>
+          <a:prstGeom prst="rect">
+            <a:avLst/>
+          </a:prstGeom>
+        </p:spPr>
+      </p:pic>
+      <p:pic>
+        <p:nvPicPr>
+          <p:cNvPr id="19" name=""/>
+          <p:cNvPicPr>
+            <a:picLocks noChangeAspect="1"/>
+          </p:cNvPicPr>
+          <p:nvPr/>
+        </p:nvPicPr>
+        <p:blipFill rotWithShape="1">
+          <a:blip r:embed="rId4"/>
+          <a:stretch>
+            <a:fillRect/>
+          </a:stretch>
+        </p:blipFill>
+        <p:spPr>
+          <a:xfrm>
+            <a:off x="4724400" y="3581400"/>
+            <a:ext cx="0" cy="0"/>
+          </a:xfrm>
+          <a:prstGeom prst="rect">
+            <a:avLst/>
+          </a:prstGeom>
+        </p:spPr>
+      </p:pic>
+      <p:pic>
+        <p:nvPicPr>
+          <p:cNvPr id="20" name=""/>
+          <p:cNvPicPr>
+            <a:picLocks noChangeAspect="1"/>
+          </p:cNvPicPr>
+          <p:nvPr/>
+        </p:nvPicPr>
+        <p:blipFill rotWithShape="1">
+          <a:blip r:embed="rId5"/>
+          <a:stretch>
+            <a:fillRect/>
+          </a:stretch>
+        </p:blipFill>
+        <p:spPr>
+          <a:xfrm>
+            <a:off x="4876800" y="3733800"/>
+            <a:ext cx="0" cy="0"/>
+          </a:xfrm>
+          <a:prstGeom prst="rect">
+            <a:avLst/>
+          </a:prstGeom>
+        </p:spPr>
+      </p:pic>
+      <p:pic>
+        <p:nvPicPr>
+          <p:cNvPr id="21" name=""/>
+          <p:cNvPicPr>
+            <a:picLocks noChangeAspect="1"/>
+          </p:cNvPicPr>
+          <p:nvPr/>
+        </p:nvPicPr>
+        <p:blipFill rotWithShape="1">
+          <a:blip r:embed="rId6"/>
+          <a:stretch>
+            <a:fillRect/>
+          </a:stretch>
+        </p:blipFill>
+        <p:spPr>
+          <a:xfrm>
+            <a:off x="1583277" y="4648200"/>
+            <a:ext cx="2448266" cy="1962424"/>
+          </a:xfrm>
+          <a:prstGeom prst="rect">
+            <a:avLst/>
+          </a:prstGeom>
+        </p:spPr>
+      </p:pic>
+      <p:pic>
+        <p:nvPicPr>
+          <p:cNvPr id="23" name=""/>
+          <p:cNvPicPr>
+            <a:picLocks noChangeAspect="1"/>
+          </p:cNvPicPr>
+          <p:nvPr/>
+        </p:nvPicPr>
+        <p:blipFill rotWithShape="1">
+          <a:blip r:embed="rId7"/>
+          <a:stretch>
+            <a:fillRect/>
+          </a:stretch>
+        </p:blipFill>
+        <p:spPr>
+          <a:xfrm>
+            <a:off x="5451761" y="4648200"/>
+            <a:ext cx="3000794" cy="1819528"/>
+          </a:xfrm>
+          <a:prstGeom prst="rect">
+            <a:avLst/>
+          </a:prstGeom>
+        </p:spPr>
+      </p:pic>
+      <p:pic>
+        <p:nvPicPr>
+          <p:cNvPr id="24" name=""/>
+          <p:cNvPicPr>
+            <a:picLocks noChangeAspect="1"/>
+          </p:cNvPicPr>
+          <p:nvPr/>
+        </p:nvPicPr>
+        <p:blipFill rotWithShape="1">
+          <a:blip r:embed="rId8"/>
+          <a:stretch>
+            <a:fillRect/>
+          </a:stretch>
+        </p:blipFill>
+        <p:spPr>
+          <a:xfrm>
+            <a:off x="5451761" y="1143000"/>
+            <a:ext cx="2953162" cy="2857898"/>
+          </a:xfrm>
+          <a:prstGeom prst="rect">
+            <a:avLst/>
+          </a:prstGeom>
+        </p:spPr>
+      </p:pic>
+    </p:spTree>
+    <p:extLst>
+      <p:ext uri="{BB962C8B-B14F-4D97-AF65-F5344CB8AC3E}">
+        <p14:creationId xmlns:p14="http://schemas.microsoft.com/office/powerpoint/2010/main" val="3773739828"/>
+      </p:ext>
+    </p:extLst>
+  </p:cSld>
+  <p:clrMapOvr>
+    <a:masterClrMapping/>
+  </p:clrMapOvr>
+  <mc:AlternateContent xmlns:mc="http://schemas.openxmlformats.org/markup-compatibility/2006">
+    <mc:Choice xmlns:p14="http://schemas.microsoft.com/office/powerpoint/2010/main" Requires="p14">
+      <p:transition xmlns:mc="http://schemas.openxmlformats.org/markup-compatibility/2006" xmlns:p14="http://schemas.microsoft.com/office/powerpoint/2010/main" mc:Ignorable="p14" p14:dur="500"/>
+    </mc:Choice>
+    <mc:Fallback>
+      <p:transition/>
+    </mc:Fallback>
+  </mc:AlternateContent>
+</p:sld>
+</file>
+
+<file path=ppt/slides/slide4.xml><?xml version="1.0" encoding="utf-8"?>
+<p:sld xmlns:r="http://schemas.openxmlformats.org/officeDocument/2006/relationships" xmlns:c="http://schemas.openxmlformats.org/drawingml/2006/chart" xmlns:a="http://schemas.openxmlformats.org/drawingml/2006/main" xmlns:dgm="http://schemas.openxmlformats.org/drawingml/2006/diagram" xmlns:dsp="http://schemas.microsoft.com/office/drawing/2008/diagram" xmlns:p="http://schemas.openxmlformats.org/presentationml/2006/main">
+  <p:cSld>
+    <p:spTree>
+      <p:nvGrpSpPr>
+        <p:cNvPr id="1" name=""/>
+        <p:cNvGrpSpPr/>
+        <p:nvPr/>
+      </p:nvGrpSpPr>
+      <p:grpSpPr>
+        <a:xfrm>
+          <a:off x="0" y="0"/>
+          <a:ext cx="0" cy="0"/>
+          <a:chOff x="0" y="0"/>
+          <a:chExt cx="0" cy="0"/>
+        </a:xfrm>
+      </p:grpSpPr>
+      <p:sp>
+        <p:nvSpPr>
+          <p:cNvPr id="2" name="Title 1"/>
+          <p:cNvSpPr>
+            <a:spLocks noGrp="1"/>
+          </p:cNvSpPr>
+          <p:nvPr>
+            <p:ph type="title" idx="0"/>
+          </p:nvPr>
+        </p:nvSpPr>
+        <p:spPr>
+          <a:xfrm>
+            <a:off x="457200" y="0"/>
+            <a:ext cx="8229600" cy="1143000"/>
+          </a:xfrm>
+        </p:spPr>
+        <p:txBody>
+          <a:bodyPr/>
+          <a:lstStyle/>
+          <a:p>
+            <a:pPr lvl="0">
+              <a:defRPr/>
+            </a:pPr>
+            <a:r>
+              <a:rPr lang="ko-KR" altLang="en-US"/>
               <a:t>운동 페이지</a:t>
             </a:r>
             <a:endParaRPr lang="ko-KR" altLang="en-US"/>
@@ -3323,7 +3561,7 @@
 </p:sld>
 </file>
 
-<file path=ppt/slides/slide4.xml><?xml version="1.0" encoding="utf-8"?>
+<file path=ppt/slides/slide5.xml><?xml version="1.0" encoding="utf-8"?>
 <p:sld xmlns:r="http://schemas.openxmlformats.org/officeDocument/2006/relationships" xmlns:c="http://schemas.openxmlformats.org/drawingml/2006/chart" xmlns:a="http://schemas.openxmlformats.org/drawingml/2006/main" xmlns:dgm="http://schemas.openxmlformats.org/drawingml/2006/diagram" xmlns:dsp="http://schemas.microsoft.com/office/drawing/2008/diagram" xmlns:p="http://schemas.openxmlformats.org/presentationml/2006/main">
   <p:cSld>
     <p:spTree>
@@ -3440,7 +3678,7 @@
 </p:sld>
 </file>
 
-<file path=ppt/slides/slide5.xml><?xml version="1.0" encoding="utf-8"?>
+<file path=ppt/slides/slide6.xml><?xml version="1.0" encoding="utf-8"?>
 <p:sld xmlns:r="http://schemas.openxmlformats.org/officeDocument/2006/relationships" xmlns:c="http://schemas.openxmlformats.org/drawingml/2006/chart" xmlns:a="http://schemas.openxmlformats.org/drawingml/2006/main" xmlns:dgm="http://schemas.openxmlformats.org/drawingml/2006/diagram" xmlns:dsp="http://schemas.microsoft.com/office/drawing/2008/diagram" xmlns:p="http://schemas.openxmlformats.org/presentationml/2006/main">
   <p:cSld>
     <p:spTree>
